--- a/assets/tactile_image_files/0019-rotational_slump/0019-rotational_slump.pptx
+++ b/assets/tactile_image_files/0019-rotational_slump/0019-rotational_slump.pptx
@@ -117,6 +117,17 @@
 </p:presentation>
 </file>
 
+<file path=ppt/revisionInfo.xml><?xml version="1.0" encoding="utf-8"?>
+<p1510:revInfo xmlns:a="http://schemas.openxmlformats.org/drawingml/2006/main" xmlns:r="http://schemas.openxmlformats.org/officeDocument/2006/relationships" xmlns:p1510="http://schemas.microsoft.com/office/powerpoint/2015/10/main">
+  <p1510:revLst>
+    <p1510:client id="{0331480A-1324-61C4-5256-D3049215A10F}" v="35" dt="2021-03-04T18:08:40.996"/>
+    <p1510:client id="{15D37E80-0ED9-AF2D-69DF-834D2873927E}" v="7" dt="2021-02-17T19:22:03.236"/>
+    <p1510:client id="{3CC6CAEC-9C94-A0B9-CC00-007F85846F8D}" v="24" dt="2021-02-24T21:21:04.222"/>
+    <p1510:client id="{59EFF217-4259-209B-C03A-0893583392AB}" v="74" dt="2021-02-17T19:20:35.049"/>
+  </p1510:revLst>
+</p1510:revInfo>
+</file>
+
 <file path=ppt/notesMasters/notesMaster1.xml><?xml version="1.0" encoding="utf-8"?>
 <p:notesMaster xmlns:a="http://schemas.openxmlformats.org/drawingml/2006/main" xmlns:r="http://schemas.openxmlformats.org/officeDocument/2006/relationships" xmlns:p="http://schemas.openxmlformats.org/presentationml/2006/main">
   <p:cSld>
@@ -198,7 +209,7 @@
           </a:lstStyle>
           <a:p>
             <a:fld id="{DC880F74-5F87-E94E-8AEF-72C270124CC0}" type="datetimeFigureOut">
-              <a:t>7/23/20</a:t>
+              <a:t>7/9/21</a:t>
             </a:fld>
             <a:endParaRPr lang="en-US"/>
           </a:p>
@@ -530,7 +541,6 @@
               <a:rPr lang="en-US"/>
               <a:t>Click to edit Master title style</a:t>
             </a:r>
-            <a:endParaRPr lang="en-US" dirty="0"/>
           </a:p>
         </p:txBody>
       </p:sp>
@@ -582,7 +592,6 @@
               <a:rPr lang="en-US"/>
               <a:t>Fifth level</a:t>
             </a:r>
-            <a:endParaRPr lang="en-US" dirty="0"/>
           </a:p>
         </p:txBody>
       </p:sp>
@@ -603,7 +612,7 @@
           <a:p>
             <a:fld id="{E796F801-3BB8-A247-923B-F07F1B58D38A}" type="datetimeFigureOut">
               <a:rPr lang="en-US" smtClean="0"/>
-              <a:t>7/23/20</a:t>
+              <a:t>7/9/21</a:t>
             </a:fld>
             <a:endParaRPr lang="en-US"/>
           </a:p>
@@ -705,7 +714,6 @@
               <a:rPr lang="en-US"/>
               <a:t>Click to edit Master title style</a:t>
             </a:r>
-            <a:endParaRPr lang="en-US" dirty="0"/>
           </a:p>
         </p:txBody>
       </p:sp>
@@ -762,7 +770,6 @@
               <a:rPr lang="en-US"/>
               <a:t>Fifth level</a:t>
             </a:r>
-            <a:endParaRPr lang="en-US" dirty="0"/>
           </a:p>
         </p:txBody>
       </p:sp>
@@ -783,7 +790,7 @@
           <a:p>
             <a:fld id="{E796F801-3BB8-A247-923B-F07F1B58D38A}" type="datetimeFigureOut">
               <a:rPr lang="en-US" smtClean="0"/>
-              <a:t>7/23/20</a:t>
+              <a:t>7/9/21</a:t>
             </a:fld>
             <a:endParaRPr lang="en-US"/>
           </a:p>
@@ -880,7 +887,6 @@
               <a:rPr lang="en-US"/>
               <a:t>Click to edit Master title style</a:t>
             </a:r>
-            <a:endParaRPr lang="en-US" dirty="0"/>
           </a:p>
         </p:txBody>
       </p:sp>
@@ -932,7 +938,6 @@
               <a:rPr lang="en-US"/>
               <a:t>Fifth level</a:t>
             </a:r>
-            <a:endParaRPr lang="en-US" dirty="0"/>
           </a:p>
         </p:txBody>
       </p:sp>
@@ -953,7 +958,7 @@
           <a:p>
             <a:fld id="{E796F801-3BB8-A247-923B-F07F1B58D38A}" type="datetimeFigureOut">
               <a:rPr lang="en-US" smtClean="0"/>
-              <a:t>7/23/20</a:t>
+              <a:t>7/9/21</a:t>
             </a:fld>
             <a:endParaRPr lang="en-US"/>
           </a:p>
@@ -1059,7 +1064,6 @@
               <a:rPr lang="en-US"/>
               <a:t>Click to edit Master title style</a:t>
             </a:r>
-            <a:endParaRPr lang="en-US" dirty="0"/>
           </a:p>
         </p:txBody>
       </p:sp>
@@ -1197,7 +1201,7 @@
           <a:p>
             <a:fld id="{E796F801-3BB8-A247-923B-F07F1B58D38A}" type="datetimeFigureOut">
               <a:rPr lang="en-US" smtClean="0"/>
-              <a:t>7/23/20</a:t>
+              <a:t>7/9/21</a:t>
             </a:fld>
             <a:endParaRPr lang="en-US"/>
           </a:p>
@@ -1294,7 +1298,6 @@
               <a:rPr lang="en-US"/>
               <a:t>Click to edit Master title style</a:t>
             </a:r>
-            <a:endParaRPr lang="en-US" dirty="0"/>
           </a:p>
         </p:txBody>
       </p:sp>
@@ -1351,7 +1354,6 @@
               <a:rPr lang="en-US"/>
               <a:t>Fifth level</a:t>
             </a:r>
-            <a:endParaRPr lang="en-US" dirty="0"/>
           </a:p>
         </p:txBody>
       </p:sp>
@@ -1408,7 +1410,6 @@
               <a:rPr lang="en-US"/>
               <a:t>Fifth level</a:t>
             </a:r>
-            <a:endParaRPr lang="en-US" dirty="0"/>
           </a:p>
         </p:txBody>
       </p:sp>
@@ -1429,7 +1430,7 @@
           <a:p>
             <a:fld id="{E796F801-3BB8-A247-923B-F07F1B58D38A}" type="datetimeFigureOut">
               <a:rPr lang="en-US" smtClean="0"/>
-              <a:t>7/23/20</a:t>
+              <a:t>7/9/21</a:t>
             </a:fld>
             <a:endParaRPr lang="en-US"/>
           </a:p>
@@ -1531,7 +1532,6 @@
               <a:rPr lang="en-US"/>
               <a:t>Click to edit Master title style</a:t>
             </a:r>
-            <a:endParaRPr lang="en-US" dirty="0"/>
           </a:p>
         </p:txBody>
       </p:sp>
@@ -1653,7 +1653,6 @@
               <a:rPr lang="en-US"/>
               <a:t>Fifth level</a:t>
             </a:r>
-            <a:endParaRPr lang="en-US" dirty="0"/>
           </a:p>
         </p:txBody>
       </p:sp>
@@ -1775,7 +1774,6 @@
               <a:rPr lang="en-US"/>
               <a:t>Fifth level</a:t>
             </a:r>
-            <a:endParaRPr lang="en-US" dirty="0"/>
           </a:p>
         </p:txBody>
       </p:sp>
@@ -1796,7 +1794,7 @@
           <a:p>
             <a:fld id="{E796F801-3BB8-A247-923B-F07F1B58D38A}" type="datetimeFigureOut">
               <a:rPr lang="en-US" smtClean="0"/>
-              <a:t>7/23/20</a:t>
+              <a:t>7/9/21</a:t>
             </a:fld>
             <a:endParaRPr lang="en-US"/>
           </a:p>
@@ -1893,7 +1891,6 @@
               <a:rPr lang="en-US"/>
               <a:t>Click to edit Master title style</a:t>
             </a:r>
-            <a:endParaRPr lang="en-US" dirty="0"/>
           </a:p>
         </p:txBody>
       </p:sp>
@@ -1914,7 +1911,7 @@
           <a:p>
             <a:fld id="{E796F801-3BB8-A247-923B-F07F1B58D38A}" type="datetimeFigureOut">
               <a:rPr lang="en-US" smtClean="0"/>
-              <a:t>7/23/20</a:t>
+              <a:t>7/9/21</a:t>
             </a:fld>
             <a:endParaRPr lang="en-US"/>
           </a:p>
@@ -2009,7 +2006,7 @@
           <a:p>
             <a:fld id="{E796F801-3BB8-A247-923B-F07F1B58D38A}" type="datetimeFigureOut">
               <a:rPr lang="en-US" smtClean="0"/>
-              <a:t>7/23/20</a:t>
+              <a:t>7/9/21</a:t>
             </a:fld>
             <a:endParaRPr lang="en-US"/>
           </a:p>
@@ -2115,7 +2112,6 @@
               <a:rPr lang="en-US"/>
               <a:t>Click to edit Master title style</a:t>
             </a:r>
-            <a:endParaRPr lang="en-US" dirty="0"/>
           </a:p>
         </p:txBody>
       </p:sp>
@@ -2200,7 +2196,6 @@
               <a:rPr lang="en-US"/>
               <a:t>Fifth level</a:t>
             </a:r>
-            <a:endParaRPr lang="en-US" dirty="0"/>
           </a:p>
         </p:txBody>
       </p:sp>
@@ -2286,7 +2281,7 @@
           <a:p>
             <a:fld id="{E796F801-3BB8-A247-923B-F07F1B58D38A}" type="datetimeFigureOut">
               <a:rPr lang="en-US" smtClean="0"/>
-              <a:t>7/23/20</a:t>
+              <a:t>7/9/21</a:t>
             </a:fld>
             <a:endParaRPr lang="en-US"/>
           </a:p>
@@ -2392,7 +2387,6 @@
               <a:rPr lang="en-US"/>
               <a:t>Click to edit Master title style</a:t>
             </a:r>
-            <a:endParaRPr lang="en-US" dirty="0"/>
           </a:p>
         </p:txBody>
       </p:sp>
@@ -2457,7 +2451,6 @@
               <a:rPr lang="en-US"/>
               <a:t>Drag picture to placeholder or click icon to add</a:t>
             </a:r>
-            <a:endParaRPr lang="en-US" dirty="0"/>
           </a:p>
         </p:txBody>
       </p:sp>
@@ -2543,7 +2536,7 @@
           <a:p>
             <a:fld id="{E796F801-3BB8-A247-923B-F07F1B58D38A}" type="datetimeFigureOut">
               <a:rPr lang="en-US" smtClean="0"/>
-              <a:t>7/23/20</a:t>
+              <a:t>7/9/21</a:t>
             </a:fld>
             <a:endParaRPr lang="en-US"/>
           </a:p>
@@ -2655,7 +2648,6 @@
               <a:rPr lang="en-US"/>
               <a:t>Click to edit Master title style</a:t>
             </a:r>
-            <a:endParaRPr lang="en-US" dirty="0"/>
           </a:p>
         </p:txBody>
       </p:sp>
@@ -2717,7 +2709,6 @@
               <a:rPr lang="en-US"/>
               <a:t>Fifth level</a:t>
             </a:r>
-            <a:endParaRPr lang="en-US" dirty="0"/>
           </a:p>
         </p:txBody>
       </p:sp>
@@ -2756,7 +2747,7 @@
           <a:p>
             <a:fld id="{E796F801-3BB8-A247-923B-F07F1B58D38A}" type="datetimeFigureOut">
               <a:rPr lang="en-US" smtClean="0"/>
-              <a:t>7/23/20</a:t>
+              <a:t>7/9/21</a:t>
             </a:fld>
             <a:endParaRPr lang="en-US"/>
           </a:p>
@@ -3874,14 +3865,9 @@
               </a:path>
             </a:pathLst>
           </a:custGeom>
-          <a:pattFill prst="pct20">
-            <a:fgClr>
-              <a:schemeClr val="tx1"/>
-            </a:fgClr>
-            <a:bgClr>
-              <a:schemeClr val="bg1"/>
-            </a:bgClr>
-          </a:pattFill>
+          <a:solidFill>
+            <a:schemeClr val="tx1"/>
+          </a:solidFill>
           <a:ln>
             <a:noFill/>
           </a:ln>
@@ -3985,14 +3971,9 @@
               </a:path>
             </a:pathLst>
           </a:custGeom>
-          <a:pattFill prst="pct20">
-            <a:fgClr>
-              <a:schemeClr val="tx1"/>
-            </a:fgClr>
-            <a:bgClr>
-              <a:schemeClr val="bg1"/>
-            </a:bgClr>
-          </a:pattFill>
+          <a:solidFill>
+            <a:schemeClr val="tx1"/>
+          </a:solidFill>
           <a:ln>
             <a:noFill/>
           </a:ln>
@@ -4038,8 +4019,8 @@
           <p:nvPr/>
         </p:nvGrpSpPr>
         <p:grpSpPr>
-          <a:xfrm rot="1591831">
-            <a:off x="3476846" y="3508745"/>
+          <a:xfrm rot="1266858">
+            <a:off x="3785456" y="3611615"/>
             <a:ext cx="510363" cy="95693"/>
             <a:chOff x="6815470" y="584791"/>
             <a:chExt cx="510363" cy="95693"/>
@@ -4722,7 +4703,7 @@
               </a:path>
             </a:pathLst>
           </a:custGeom>
-          <a:pattFill prst="pct5">
+          <a:pattFill prst="solidDmnd">
             <a:fgClr>
               <a:schemeClr val="tx1"/>
             </a:fgClr>
@@ -7341,20 +7322,41 @@
           </a:ln>
         </p:spPr>
         <p:txBody>
-          <a:bodyPr wrap="square" rtlCol="0">
+          <a:bodyPr wrap="square" lIns="91440" tIns="45720" rIns="91440" bIns="45720" rtlCol="0" anchor="t">
             <a:spAutoFit/>
           </a:bodyPr>
           <a:lstStyle/>
           <a:p>
             <a:pPr algn="ctr"/>
             <a:r>
+              <a:rPr lang="en-US" sz="2400" dirty="0">
+                <a:latin typeface="Swell Braille"/>
+                <a:ea typeface="+mn-lt"/>
+                <a:cs typeface="+mn-lt"/>
+              </a:rPr>
+              <a:t>'</a:t>
+            </a:r>
+            <a:r>
               <a:rPr lang="en-US" sz="2400">
-                <a:latin typeface="Swell Braille" pitchFamily="49"/>
-                <a:ea typeface="Braille Normal" charset="0"/>
-                <a:cs typeface="Braille Normal" charset="0"/>
+                <a:latin typeface="Swell Braille"/>
+                <a:ea typeface="+mn-lt"/>
+                <a:cs typeface="+mn-lt"/>
               </a:rPr>
-              <a:t>⠠⠗⠕⠞⠁⠞⠊⠕⠝⠁⠇⠀⠠⠎⠇⠥⠍⠏</a:t>
+              <a:t>rota;nal</a:t>
             </a:r>
+            <a:r>
+              <a:rPr lang="en-US" sz="2400" dirty="0">
+                <a:latin typeface="Swell Braille"/>
+                <a:ea typeface="+mn-lt"/>
+                <a:cs typeface="+mn-lt"/>
+              </a:rPr>
+              <a:t>⠠⠎⠇⠥⠍⠏</a:t>
+            </a:r>
+            <a:endParaRPr lang="en-US" sz="2400" dirty="0">
+              <a:latin typeface="Swell Braille" pitchFamily="49"/>
+              <a:ea typeface="Braille Normal" charset="0"/>
+              <a:cs typeface="Braille Normal" charset="0"/>
+            </a:endParaRPr>
           </a:p>
         </p:txBody>
       </p:sp>
@@ -7723,14 +7725,9 @@
               </a:path>
             </a:pathLst>
           </a:custGeom>
-          <a:pattFill prst="pct20">
-            <a:fgClr>
-              <a:schemeClr val="tx1"/>
-            </a:fgClr>
-            <a:bgClr>
-              <a:schemeClr val="bg1"/>
-            </a:bgClr>
-          </a:pattFill>
+          <a:solidFill>
+            <a:schemeClr val="tx1"/>
+          </a:solidFill>
           <a:ln>
             <a:noFill/>
           </a:ln>
@@ -7831,14 +7828,9 @@
               </a:path>
             </a:pathLst>
           </a:custGeom>
-          <a:pattFill prst="pct20">
-            <a:fgClr>
-              <a:schemeClr val="tx1"/>
-            </a:fgClr>
-            <a:bgClr>
-              <a:schemeClr val="bg1"/>
-            </a:bgClr>
-          </a:pattFill>
+          <a:solidFill>
+            <a:schemeClr val="tx1"/>
+          </a:solidFill>
           <a:ln>
             <a:noFill/>
           </a:ln>
@@ -7868,109 +7860,6 @@
           </a:p>
         </p:txBody>
       </p:sp>
-      <p:grpSp>
-        <p:nvGrpSpPr>
-          <p:cNvPr id="22" name="Group 21">
-            <a:extLst>
-              <a:ext uri="{FF2B5EF4-FFF2-40B4-BE49-F238E27FC236}">
-                <a16:creationId xmlns:a16="http://schemas.microsoft.com/office/drawing/2014/main" id="{0BED89FC-582E-5248-ACB4-21B39EC3B4CB}"/>
-              </a:ext>
-            </a:extLst>
-          </p:cNvPr>
-          <p:cNvGrpSpPr/>
-          <p:nvPr/>
-        </p:nvGrpSpPr>
-        <p:grpSpPr>
-          <a:xfrm rot="1591831">
-            <a:off x="3476846" y="3508745"/>
-            <a:ext cx="510363" cy="95693"/>
-            <a:chOff x="6815470" y="584791"/>
-            <a:chExt cx="510363" cy="95693"/>
-          </a:xfrm>
-        </p:grpSpPr>
-        <p:cxnSp>
-          <p:nvCxnSpPr>
-            <p:cNvPr id="19" name="Straight Connector 18">
-              <a:extLst>
-                <a:ext uri="{FF2B5EF4-FFF2-40B4-BE49-F238E27FC236}">
-                  <a16:creationId xmlns:a16="http://schemas.microsoft.com/office/drawing/2014/main" id="{2F13CF4C-4FD6-B24D-96E7-FFAEB7247298}"/>
-                </a:ext>
-              </a:extLst>
-            </p:cNvPr>
-            <p:cNvCxnSpPr/>
-            <p:nvPr/>
-          </p:nvCxnSpPr>
-          <p:spPr>
-            <a:xfrm flipH="1">
-              <a:off x="6815470" y="680484"/>
-              <a:ext cx="499730" cy="0"/>
-            </a:xfrm>
-            <a:prstGeom prst="line">
-              <a:avLst/>
-            </a:prstGeom>
-            <a:ln w="19050">
-              <a:solidFill>
-                <a:schemeClr val="tx1"/>
-              </a:solidFill>
-            </a:ln>
-          </p:spPr>
-          <p:style>
-            <a:lnRef idx="1">
-              <a:schemeClr val="accent1"/>
-            </a:lnRef>
-            <a:fillRef idx="0">
-              <a:schemeClr val="accent1"/>
-            </a:fillRef>
-            <a:effectRef idx="0">
-              <a:schemeClr val="accent1"/>
-            </a:effectRef>
-            <a:fontRef idx="minor">
-              <a:schemeClr val="tx1"/>
-            </a:fontRef>
-          </p:style>
-        </p:cxnSp>
-        <p:cxnSp>
-          <p:nvCxnSpPr>
-            <p:cNvPr id="21" name="Straight Connector 20">
-              <a:extLst>
-                <a:ext uri="{FF2B5EF4-FFF2-40B4-BE49-F238E27FC236}">
-                  <a16:creationId xmlns:a16="http://schemas.microsoft.com/office/drawing/2014/main" id="{C04070E2-70A8-A844-A7C2-6F422B04CA63}"/>
-                </a:ext>
-              </a:extLst>
-            </p:cNvPr>
-            <p:cNvCxnSpPr/>
-            <p:nvPr/>
-          </p:nvCxnSpPr>
-          <p:spPr>
-            <a:xfrm>
-              <a:off x="7134447" y="584791"/>
-              <a:ext cx="191386" cy="95693"/>
-            </a:xfrm>
-            <a:prstGeom prst="line">
-              <a:avLst/>
-            </a:prstGeom>
-            <a:ln w="19050">
-              <a:solidFill>
-                <a:schemeClr val="tx1"/>
-              </a:solidFill>
-            </a:ln>
-          </p:spPr>
-          <p:style>
-            <a:lnRef idx="1">
-              <a:schemeClr val="accent1"/>
-            </a:lnRef>
-            <a:fillRef idx="0">
-              <a:schemeClr val="accent1"/>
-            </a:fillRef>
-            <a:effectRef idx="0">
-              <a:schemeClr val="accent1"/>
-            </a:effectRef>
-            <a:fontRef idx="minor">
-              <a:schemeClr val="tx1"/>
-            </a:fontRef>
-          </p:style>
-        </p:cxnSp>
-      </p:grpSp>
       <p:grpSp>
         <p:nvGrpSpPr>
           <p:cNvPr id="59" name="Group 58">
@@ -8562,7 +8451,7 @@
               </a:path>
             </a:pathLst>
           </a:custGeom>
-          <a:pattFill prst="pct5">
+          <a:pattFill prst="solidDmnd">
             <a:fgClr>
               <a:schemeClr val="tx1"/>
             </a:fgClr>
@@ -10733,27 +10622,133 @@
         <p:spPr>
           <a:xfrm>
             <a:off x="6373871" y="2942194"/>
-            <a:ext cx="2635658" cy="461665"/>
+            <a:ext cx="2677336" cy="461665"/>
           </a:xfrm>
           <a:prstGeom prst="rect">
             <a:avLst/>
           </a:prstGeom>
         </p:spPr>
         <p:txBody>
-          <a:bodyPr wrap="none">
+          <a:bodyPr wrap="none" lIns="91440" tIns="45720" rIns="91440" bIns="45720" anchor="t">
             <a:spAutoFit/>
           </a:bodyPr>
           <a:lstStyle/>
           <a:p>
             <a:r>
               <a:rPr lang="en-US" sz="2400">
-                <a:latin typeface="Swell Braille" pitchFamily="49"/>
+                <a:latin typeface="Swell Braille"/>
               </a:rPr>
               <a:t>⠞⠕⠑⠀⠷⠀⠎⠇⠥⠍⠏</a:t>
             </a:r>
+            <a:endParaRPr lang="en-US" sz="2400">
+              <a:latin typeface="Swell Braille" pitchFamily="49"/>
+            </a:endParaRPr>
           </a:p>
         </p:txBody>
       </p:sp>
+      <p:grpSp>
+        <p:nvGrpSpPr>
+          <p:cNvPr id="39" name="Group 38">
+            <a:extLst>
+              <a:ext uri="{FF2B5EF4-FFF2-40B4-BE49-F238E27FC236}">
+                <a16:creationId xmlns:a16="http://schemas.microsoft.com/office/drawing/2014/main" id="{BA74D591-E821-A845-8D34-4794E4848C47}"/>
+              </a:ext>
+            </a:extLst>
+          </p:cNvPr>
+          <p:cNvGrpSpPr/>
+          <p:nvPr/>
+        </p:nvGrpSpPr>
+        <p:grpSpPr>
+          <a:xfrm rot="1266858">
+            <a:off x="3785456" y="3611615"/>
+            <a:ext cx="510363" cy="95693"/>
+            <a:chOff x="6815470" y="584791"/>
+            <a:chExt cx="510363" cy="95693"/>
+          </a:xfrm>
+        </p:grpSpPr>
+        <p:cxnSp>
+          <p:nvCxnSpPr>
+            <p:cNvPr id="40" name="Straight Connector 39">
+              <a:extLst>
+                <a:ext uri="{FF2B5EF4-FFF2-40B4-BE49-F238E27FC236}">
+                  <a16:creationId xmlns:a16="http://schemas.microsoft.com/office/drawing/2014/main" id="{4184F910-010A-C84C-A375-7478ACC3B62A}"/>
+                </a:ext>
+              </a:extLst>
+            </p:cNvPr>
+            <p:cNvCxnSpPr/>
+            <p:nvPr/>
+          </p:nvCxnSpPr>
+          <p:spPr>
+            <a:xfrm flipH="1">
+              <a:off x="6815470" y="680484"/>
+              <a:ext cx="499730" cy="0"/>
+            </a:xfrm>
+            <a:prstGeom prst="line">
+              <a:avLst/>
+            </a:prstGeom>
+            <a:ln w="19050">
+              <a:solidFill>
+                <a:schemeClr val="tx1"/>
+              </a:solidFill>
+            </a:ln>
+          </p:spPr>
+          <p:style>
+            <a:lnRef idx="1">
+              <a:schemeClr val="accent1"/>
+            </a:lnRef>
+            <a:fillRef idx="0">
+              <a:schemeClr val="accent1"/>
+            </a:fillRef>
+            <a:effectRef idx="0">
+              <a:schemeClr val="accent1"/>
+            </a:effectRef>
+            <a:fontRef idx="minor">
+              <a:schemeClr val="tx1"/>
+            </a:fontRef>
+          </p:style>
+        </p:cxnSp>
+        <p:cxnSp>
+          <p:nvCxnSpPr>
+            <p:cNvPr id="41" name="Straight Connector 40">
+              <a:extLst>
+                <a:ext uri="{FF2B5EF4-FFF2-40B4-BE49-F238E27FC236}">
+                  <a16:creationId xmlns:a16="http://schemas.microsoft.com/office/drawing/2014/main" id="{6CE365DE-5203-C04E-870A-326CFD5F5C6D}"/>
+                </a:ext>
+              </a:extLst>
+            </p:cNvPr>
+            <p:cNvCxnSpPr/>
+            <p:nvPr/>
+          </p:nvCxnSpPr>
+          <p:spPr>
+            <a:xfrm>
+              <a:off x="7134447" y="584791"/>
+              <a:ext cx="191386" cy="95693"/>
+            </a:xfrm>
+            <a:prstGeom prst="line">
+              <a:avLst/>
+            </a:prstGeom>
+            <a:ln w="19050">
+              <a:solidFill>
+                <a:schemeClr val="tx1"/>
+              </a:solidFill>
+            </a:ln>
+          </p:spPr>
+          <p:style>
+            <a:lnRef idx="1">
+              <a:schemeClr val="accent1"/>
+            </a:lnRef>
+            <a:fillRef idx="0">
+              <a:schemeClr val="accent1"/>
+            </a:fillRef>
+            <a:effectRef idx="0">
+              <a:schemeClr val="accent1"/>
+            </a:effectRef>
+            <a:fontRef idx="minor">
+              <a:schemeClr val="tx1"/>
+            </a:fontRef>
+          </p:style>
+        </p:cxnSp>
+      </p:grpSp>
     </p:spTree>
     <p:extLst>
       <p:ext uri="{BB962C8B-B14F-4D97-AF65-F5344CB8AC3E}">
@@ -11442,14 +11437,9 @@
               </a:path>
             </a:pathLst>
           </a:custGeom>
-          <a:pattFill prst="pct20">
-            <a:fgClr>
-              <a:schemeClr val="tx1"/>
-            </a:fgClr>
-            <a:bgClr>
-              <a:schemeClr val="bg1"/>
-            </a:bgClr>
-          </a:pattFill>
+          <a:solidFill>
+            <a:schemeClr val="tx1"/>
+          </a:solidFill>
           <a:ln>
             <a:noFill/>
           </a:ln>
@@ -11550,14 +11540,9 @@
               </a:path>
             </a:pathLst>
           </a:custGeom>
-          <a:pattFill prst="pct20">
-            <a:fgClr>
-              <a:schemeClr val="tx1"/>
-            </a:fgClr>
-            <a:bgClr>
-              <a:schemeClr val="bg1"/>
-            </a:bgClr>
-          </a:pattFill>
+          <a:solidFill>
+            <a:schemeClr val="tx1"/>
+          </a:solidFill>
           <a:ln>
             <a:noFill/>
           </a:ln>
@@ -11587,109 +11572,6 @@
           </a:p>
         </p:txBody>
       </p:sp>
-      <p:grpSp>
-        <p:nvGrpSpPr>
-          <p:cNvPr id="22" name="Group 21">
-            <a:extLst>
-              <a:ext uri="{FF2B5EF4-FFF2-40B4-BE49-F238E27FC236}">
-                <a16:creationId xmlns:a16="http://schemas.microsoft.com/office/drawing/2014/main" id="{0BED89FC-582E-5248-ACB4-21B39EC3B4CB}"/>
-              </a:ext>
-            </a:extLst>
-          </p:cNvPr>
-          <p:cNvGrpSpPr/>
-          <p:nvPr/>
-        </p:nvGrpSpPr>
-        <p:grpSpPr>
-          <a:xfrm rot="1591831">
-            <a:off x="3476846" y="3508745"/>
-            <a:ext cx="510363" cy="95693"/>
-            <a:chOff x="6815470" y="584791"/>
-            <a:chExt cx="510363" cy="95693"/>
-          </a:xfrm>
-        </p:grpSpPr>
-        <p:cxnSp>
-          <p:nvCxnSpPr>
-            <p:cNvPr id="19" name="Straight Connector 18">
-              <a:extLst>
-                <a:ext uri="{FF2B5EF4-FFF2-40B4-BE49-F238E27FC236}">
-                  <a16:creationId xmlns:a16="http://schemas.microsoft.com/office/drawing/2014/main" id="{2F13CF4C-4FD6-B24D-96E7-FFAEB7247298}"/>
-                </a:ext>
-              </a:extLst>
-            </p:cNvPr>
-            <p:cNvCxnSpPr/>
-            <p:nvPr/>
-          </p:nvCxnSpPr>
-          <p:spPr>
-            <a:xfrm flipH="1">
-              <a:off x="6815470" y="680484"/>
-              <a:ext cx="499730" cy="0"/>
-            </a:xfrm>
-            <a:prstGeom prst="line">
-              <a:avLst/>
-            </a:prstGeom>
-            <a:ln w="19050">
-              <a:solidFill>
-                <a:schemeClr val="tx1"/>
-              </a:solidFill>
-            </a:ln>
-          </p:spPr>
-          <p:style>
-            <a:lnRef idx="1">
-              <a:schemeClr val="accent1"/>
-            </a:lnRef>
-            <a:fillRef idx="0">
-              <a:schemeClr val="accent1"/>
-            </a:fillRef>
-            <a:effectRef idx="0">
-              <a:schemeClr val="accent1"/>
-            </a:effectRef>
-            <a:fontRef idx="minor">
-              <a:schemeClr val="tx1"/>
-            </a:fontRef>
-          </p:style>
-        </p:cxnSp>
-        <p:cxnSp>
-          <p:nvCxnSpPr>
-            <p:cNvPr id="21" name="Straight Connector 20">
-              <a:extLst>
-                <a:ext uri="{FF2B5EF4-FFF2-40B4-BE49-F238E27FC236}">
-                  <a16:creationId xmlns:a16="http://schemas.microsoft.com/office/drawing/2014/main" id="{C04070E2-70A8-A844-A7C2-6F422B04CA63}"/>
-                </a:ext>
-              </a:extLst>
-            </p:cNvPr>
-            <p:cNvCxnSpPr/>
-            <p:nvPr/>
-          </p:nvCxnSpPr>
-          <p:spPr>
-            <a:xfrm>
-              <a:off x="7134447" y="584791"/>
-              <a:ext cx="191386" cy="95693"/>
-            </a:xfrm>
-            <a:prstGeom prst="line">
-              <a:avLst/>
-            </a:prstGeom>
-            <a:ln w="19050">
-              <a:solidFill>
-                <a:schemeClr val="tx1"/>
-              </a:solidFill>
-            </a:ln>
-          </p:spPr>
-          <p:style>
-            <a:lnRef idx="1">
-              <a:schemeClr val="accent1"/>
-            </a:lnRef>
-            <a:fillRef idx="0">
-              <a:schemeClr val="accent1"/>
-            </a:fillRef>
-            <a:effectRef idx="0">
-              <a:schemeClr val="accent1"/>
-            </a:effectRef>
-            <a:fontRef idx="minor">
-              <a:schemeClr val="tx1"/>
-            </a:fontRef>
-          </p:style>
-        </p:cxnSp>
-      </p:grpSp>
       <p:grpSp>
         <p:nvGrpSpPr>
           <p:cNvPr id="59" name="Group 58">
@@ -12281,7 +12163,7 @@
               </a:path>
             </a:pathLst>
           </a:custGeom>
-          <a:pattFill prst="pct5">
+          <a:pattFill prst="solidDmnd">
             <a:fgClr>
               <a:schemeClr val="tx1"/>
             </a:fgClr>
@@ -14240,6 +14122,109 @@
           </a:p>
         </p:txBody>
       </p:sp>
+      <p:grpSp>
+        <p:nvGrpSpPr>
+          <p:cNvPr id="32" name="Group 31">
+            <a:extLst>
+              <a:ext uri="{FF2B5EF4-FFF2-40B4-BE49-F238E27FC236}">
+                <a16:creationId xmlns:a16="http://schemas.microsoft.com/office/drawing/2014/main" id="{540288EC-0A17-9849-90A0-A01ED71DBCF1}"/>
+              </a:ext>
+            </a:extLst>
+          </p:cNvPr>
+          <p:cNvGrpSpPr/>
+          <p:nvPr/>
+        </p:nvGrpSpPr>
+        <p:grpSpPr>
+          <a:xfrm rot="1266858">
+            <a:off x="3785456" y="3611615"/>
+            <a:ext cx="510363" cy="95693"/>
+            <a:chOff x="6815470" y="584791"/>
+            <a:chExt cx="510363" cy="95693"/>
+          </a:xfrm>
+        </p:grpSpPr>
+        <p:cxnSp>
+          <p:nvCxnSpPr>
+            <p:cNvPr id="33" name="Straight Connector 32">
+              <a:extLst>
+                <a:ext uri="{FF2B5EF4-FFF2-40B4-BE49-F238E27FC236}">
+                  <a16:creationId xmlns:a16="http://schemas.microsoft.com/office/drawing/2014/main" id="{2A0D52A4-3287-F647-A213-0D4DB5CABCA8}"/>
+                </a:ext>
+              </a:extLst>
+            </p:cNvPr>
+            <p:cNvCxnSpPr/>
+            <p:nvPr/>
+          </p:nvCxnSpPr>
+          <p:spPr>
+            <a:xfrm flipH="1">
+              <a:off x="6815470" y="680484"/>
+              <a:ext cx="499730" cy="0"/>
+            </a:xfrm>
+            <a:prstGeom prst="line">
+              <a:avLst/>
+            </a:prstGeom>
+            <a:ln w="19050">
+              <a:solidFill>
+                <a:schemeClr val="tx1"/>
+              </a:solidFill>
+            </a:ln>
+          </p:spPr>
+          <p:style>
+            <a:lnRef idx="1">
+              <a:schemeClr val="accent1"/>
+            </a:lnRef>
+            <a:fillRef idx="0">
+              <a:schemeClr val="accent1"/>
+            </a:fillRef>
+            <a:effectRef idx="0">
+              <a:schemeClr val="accent1"/>
+            </a:effectRef>
+            <a:fontRef idx="minor">
+              <a:schemeClr val="tx1"/>
+            </a:fontRef>
+          </p:style>
+        </p:cxnSp>
+        <p:cxnSp>
+          <p:nvCxnSpPr>
+            <p:cNvPr id="34" name="Straight Connector 33">
+              <a:extLst>
+                <a:ext uri="{FF2B5EF4-FFF2-40B4-BE49-F238E27FC236}">
+                  <a16:creationId xmlns:a16="http://schemas.microsoft.com/office/drawing/2014/main" id="{4A6B15F0-0FA6-B144-819D-61479C6366E7}"/>
+                </a:ext>
+              </a:extLst>
+            </p:cNvPr>
+            <p:cNvCxnSpPr/>
+            <p:nvPr/>
+          </p:nvCxnSpPr>
+          <p:spPr>
+            <a:xfrm>
+              <a:off x="7134447" y="584791"/>
+              <a:ext cx="191386" cy="95693"/>
+            </a:xfrm>
+            <a:prstGeom prst="line">
+              <a:avLst/>
+            </a:prstGeom>
+            <a:ln w="19050">
+              <a:solidFill>
+                <a:schemeClr val="tx1"/>
+              </a:solidFill>
+            </a:ln>
+          </p:spPr>
+          <p:style>
+            <a:lnRef idx="1">
+              <a:schemeClr val="accent1"/>
+            </a:lnRef>
+            <a:fillRef idx="0">
+              <a:schemeClr val="accent1"/>
+            </a:fillRef>
+            <a:effectRef idx="0">
+              <a:schemeClr val="accent1"/>
+            </a:effectRef>
+            <a:fontRef idx="minor">
+              <a:schemeClr val="tx1"/>
+            </a:fontRef>
+          </p:style>
+        </p:cxnSp>
+      </p:grpSp>
     </p:spTree>
     <p:extLst>
       <p:ext uri="{BB962C8B-B14F-4D97-AF65-F5344CB8AC3E}">
